--- a/Randomization/PaoloCSE21_2.pptx
+++ b/Randomization/PaoloCSE21_2.pptx
@@ -5,10 +5,10 @@
     <p:sldMasterId id="2147483930" r:id="rId1"/>
   </p:sldMasterIdLst>
   <p:notesMasterIdLst>
-    <p:notesMasterId r:id="rId12"/>
+    <p:notesMasterId r:id="rId13"/>
   </p:notesMasterIdLst>
   <p:handoutMasterIdLst>
-    <p:handoutMasterId r:id="rId13"/>
+    <p:handoutMasterId r:id="rId14"/>
   </p:handoutMasterIdLst>
   <p:sldIdLst>
     <p:sldId id="351" r:id="rId2"/>
@@ -16,11 +16,12 @@
     <p:sldId id="427" r:id="rId4"/>
     <p:sldId id="446" r:id="rId5"/>
     <p:sldId id="440" r:id="rId6"/>
-    <p:sldId id="443" r:id="rId7"/>
-    <p:sldId id="441" r:id="rId8"/>
-    <p:sldId id="444" r:id="rId9"/>
-    <p:sldId id="445" r:id="rId10"/>
-    <p:sldId id="410" r:id="rId11"/>
+    <p:sldId id="447" r:id="rId7"/>
+    <p:sldId id="443" r:id="rId8"/>
+    <p:sldId id="441" r:id="rId9"/>
+    <p:sldId id="444" r:id="rId10"/>
+    <p:sldId id="445" r:id="rId11"/>
+    <p:sldId id="410" r:id="rId12"/>
   </p:sldIdLst>
   <p:sldSz cx="12192000" cy="6858000"/>
   <p:notesSz cx="6858000" cy="9144000"/>
@@ -132,6 +133,7 @@
             <p14:sldId id="427"/>
             <p14:sldId id="446"/>
             <p14:sldId id="440"/>
+            <p14:sldId id="447"/>
             <p14:sldId id="443"/>
             <p14:sldId id="441"/>
             <p14:sldId id="444"/>
@@ -252,7 +254,7 @@
           <a:p>
             <a:fld id="{279EEC3C-A001-4107-B54E-3DA93EFF18E7}" type="datetimeFigureOut">
               <a:rPr lang="en-US" smtClean="0"/>
-              <a:t>2/22/2021</a:t>
+              <a:t>3/1/2021</a:t>
             </a:fld>
             <a:endParaRPr lang="en-US"/>
           </a:p>
@@ -430,7 +432,7 @@
             <a:fld id="{396E16B4-3FB2-4CDC-BEBF-CD70C72EF480}" type="datetimeFigureOut">
               <a:rPr lang="en-US" smtClean="0"/>
               <a:pPr/>
-              <a:t>2/22/2021</a:t>
+              <a:t>3/1/2021</a:t>
             </a:fld>
             <a:endParaRPr lang="en-US"/>
           </a:p>
@@ -1025,7 +1027,7 @@
             <a:fld id="{A9D42829-8409-4711-B36D-25AE5703B863}" type="slidenum">
               <a:rPr lang="en-US" smtClean="0"/>
               <a:pPr/>
-              <a:t>6</a:t>
+              <a:t>7</a:t>
             </a:fld>
             <a:endParaRPr lang="en-US"/>
           </a:p>
@@ -1110,7 +1112,7 @@
             <a:fld id="{A9D42829-8409-4711-B36D-25AE5703B863}" type="slidenum">
               <a:rPr lang="en-US" smtClean="0"/>
               <a:pPr/>
-              <a:t>7</a:t>
+              <a:t>8</a:t>
             </a:fld>
             <a:endParaRPr lang="en-US"/>
           </a:p>
@@ -1195,7 +1197,7 @@
             <a:fld id="{A9D42829-8409-4711-B36D-25AE5703B863}" type="slidenum">
               <a:rPr lang="en-US" smtClean="0"/>
               <a:pPr/>
-              <a:t>8</a:t>
+              <a:t>9</a:t>
             </a:fld>
             <a:endParaRPr lang="en-US"/>
           </a:p>
@@ -4376,6 +4378,158 @@
           <a:chExt cx="0" cy="0"/>
         </a:xfrm>
       </p:grpSpPr>
+      <p:sp>
+        <p:nvSpPr>
+          <p:cNvPr id="2" name="Title 1">
+            <a:extLst>
+              <a:ext uri="{FF2B5EF4-FFF2-40B4-BE49-F238E27FC236}">
+                <a16:creationId xmlns:a16="http://schemas.microsoft.com/office/drawing/2014/main" id="{EF7E21A7-CA63-407C-A0D2-2EA5C019D121}"/>
+              </a:ext>
+            </a:extLst>
+          </p:cNvPr>
+          <p:cNvSpPr>
+            <a:spLocks noGrp="1"/>
+          </p:cNvSpPr>
+          <p:nvPr>
+            <p:ph type="title"/>
+          </p:nvPr>
+        </p:nvSpPr>
+        <p:spPr/>
+        <p:txBody>
+          <a:bodyPr/>
+          <a:lstStyle/>
+          <a:p>
+            <a:r>
+              <a:rPr lang="en-US" dirty="0"/>
+              <a:t>These are ideas from </a:t>
+            </a:r>
+          </a:p>
+        </p:txBody>
+      </p:sp>
+      <p:sp>
+        <p:nvSpPr>
+          <p:cNvPr id="3" name="Slide Number Placeholder 2">
+            <a:extLst>
+              <a:ext uri="{FF2B5EF4-FFF2-40B4-BE49-F238E27FC236}">
+                <a16:creationId xmlns:a16="http://schemas.microsoft.com/office/drawing/2014/main" id="{39F97DB6-A5CA-4D30-B4C0-576D37FABAA1}"/>
+              </a:ext>
+            </a:extLst>
+          </p:cNvPr>
+          <p:cNvSpPr>
+            <a:spLocks noGrp="1"/>
+          </p:cNvSpPr>
+          <p:nvPr>
+            <p:ph type="sldNum" sz="quarter" idx="10"/>
+          </p:nvPr>
+        </p:nvSpPr>
+        <p:spPr/>
+        <p:txBody>
+          <a:bodyPr/>
+          <a:lstStyle/>
+          <a:p>
+            <a:fld id="{626C978B-826E-438C-909A-E9C381D3FF04}" type="slidenum">
+              <a:rPr lang="en-US" smtClean="0"/>
+              <a:pPr/>
+              <a:t>10</a:t>
+            </a:fld>
+            <a:endParaRPr lang="en-US" dirty="0"/>
+          </a:p>
+        </p:txBody>
+      </p:sp>
+      <p:sp>
+        <p:nvSpPr>
+          <p:cNvPr id="4" name="Content Placeholder 3">
+            <a:extLst>
+              <a:ext uri="{FF2B5EF4-FFF2-40B4-BE49-F238E27FC236}">
+                <a16:creationId xmlns:a16="http://schemas.microsoft.com/office/drawing/2014/main" id="{8F14279B-F91E-4394-8CE0-4D781FE93C7E}"/>
+              </a:ext>
+            </a:extLst>
+          </p:cNvPr>
+          <p:cNvSpPr>
+            <a:spLocks noGrp="1"/>
+          </p:cNvSpPr>
+          <p:nvPr>
+            <p:ph idx="1"/>
+          </p:nvPr>
+        </p:nvSpPr>
+        <p:spPr/>
+        <p:txBody>
+          <a:bodyPr/>
+          <a:lstStyle/>
+          <a:p>
+            <a:r>
+              <a:rPr lang="en-US" dirty="0"/>
+              <a:t>ABHISHEK JAIN, </a:t>
+            </a:r>
+          </a:p>
+          <a:p>
+            <a:r>
+              <a:rPr lang="en-US" dirty="0"/>
+              <a:t>ISMAIL BUSTANY, </a:t>
+            </a:r>
+          </a:p>
+          <a:p>
+            <a:r>
+              <a:rPr lang="en-US" dirty="0"/>
+              <a:t>HENRI FRAISSE, </a:t>
+            </a:r>
+          </a:p>
+          <a:p>
+            <a:r>
+              <a:rPr lang="en-US" dirty="0"/>
+              <a:t>MANSIMRAN BENIPAL, </a:t>
+            </a:r>
+          </a:p>
+          <a:p>
+            <a:r>
+              <a:rPr lang="en-US" dirty="0"/>
+              <a:t>DINESH GAITONDE</a:t>
+            </a:r>
+          </a:p>
+        </p:txBody>
+      </p:sp>
+    </p:spTree>
+    <p:extLst>
+      <p:ext uri="{BB962C8B-B14F-4D97-AF65-F5344CB8AC3E}">
+        <p14:creationId xmlns:p14="http://schemas.microsoft.com/office/powerpoint/2010/main" val="1107199187"/>
+      </p:ext>
+    </p:extLst>
+  </p:cSld>
+  <p:clrMapOvr>
+    <a:masterClrMapping/>
+  </p:clrMapOvr>
+  <mc:AlternateContent xmlns:mc="http://schemas.openxmlformats.org/markup-compatibility/2006" xmlns:p14="http://schemas.microsoft.com/office/powerpoint/2010/main">
+    <mc:Choice Requires="p14">
+      <p:transition spd="med" p14:dur="700">
+        <p:fade/>
+      </p:transition>
+    </mc:Choice>
+    <mc:Fallback xmlns="">
+      <p:transition spd="med">
+        <p:fade/>
+      </p:transition>
+    </mc:Fallback>
+  </mc:AlternateContent>
+</p:sld>
+</file>
+
+<file path=ppt/slides/slide11.xml><?xml version="1.0" encoding="utf-8"?>
+<p:sld xmlns:a="http://schemas.openxmlformats.org/drawingml/2006/main" xmlns:r="http://schemas.openxmlformats.org/officeDocument/2006/relationships" xmlns:p="http://schemas.openxmlformats.org/presentationml/2006/main">
+  <p:cSld>
+    <p:spTree>
+      <p:nvGrpSpPr>
+        <p:cNvPr id="1" name=""/>
+        <p:cNvGrpSpPr/>
+        <p:nvPr/>
+      </p:nvGrpSpPr>
+      <p:grpSpPr>
+        <a:xfrm>
+          <a:off x="0" y="0"/>
+          <a:ext cx="0" cy="0"/>
+          <a:chOff x="0" y="0"/>
+          <a:chExt cx="0" cy="0"/>
+        </a:xfrm>
+      </p:grpSpPr>
     </p:spTree>
     <p:extLst>
       <p:ext uri="{BB962C8B-B14F-4D97-AF65-F5344CB8AC3E}">
@@ -5006,7 +5160,7 @@
         </p:blipFill>
         <p:spPr>
           <a:xfrm>
-            <a:off x="7373105" y="1540760"/>
+            <a:off x="7449303" y="1524000"/>
             <a:ext cx="4361697" cy="3776479"/>
           </a:xfrm>
           <a:prstGeom prst="rect">
@@ -5098,6 +5252,76 @@
           <a:p>
             <a:pPr algn="ctr"/>
             <a:endParaRPr lang="en-US"/>
+          </a:p>
+        </p:txBody>
+      </p:sp>
+      <p:sp>
+        <p:nvSpPr>
+          <p:cNvPr id="2" name="TextBox 1">
+            <a:extLst>
+              <a:ext uri="{FF2B5EF4-FFF2-40B4-BE49-F238E27FC236}">
+                <a16:creationId xmlns:a16="http://schemas.microsoft.com/office/drawing/2014/main" id="{D0B87374-965A-41BB-B0E2-6FDAD4D409A5}"/>
+              </a:ext>
+            </a:extLst>
+          </p:cNvPr>
+          <p:cNvSpPr txBox="1"/>
+          <p:nvPr/>
+        </p:nvSpPr>
+        <p:spPr>
+          <a:xfrm>
+            <a:off x="579119" y="1066800"/>
+            <a:ext cx="3724096" cy="369332"/>
+          </a:xfrm>
+          <a:prstGeom prst="rect">
+            <a:avLst/>
+          </a:prstGeom>
+          <a:noFill/>
+        </p:spPr>
+        <p:txBody>
+          <a:bodyPr wrap="none" rtlCol="0">
+            <a:spAutoFit/>
+          </a:bodyPr>
+          <a:lstStyle/>
+          <a:p>
+            <a:r>
+              <a:rPr lang="en-US" dirty="0"/>
+              <a:t>Hierarchical: 2-D Entropy measure</a:t>
+            </a:r>
+          </a:p>
+        </p:txBody>
+      </p:sp>
+      <p:sp>
+        <p:nvSpPr>
+          <p:cNvPr id="10" name="TextBox 9">
+            <a:extLst>
+              <a:ext uri="{FF2B5EF4-FFF2-40B4-BE49-F238E27FC236}">
+                <a16:creationId xmlns:a16="http://schemas.microsoft.com/office/drawing/2014/main" id="{6EDA6262-E2B3-4CE6-81EF-55FFF15F6DE4}"/>
+              </a:ext>
+            </a:extLst>
+          </p:cNvPr>
+          <p:cNvSpPr txBox="1"/>
+          <p:nvPr/>
+        </p:nvSpPr>
+        <p:spPr>
+          <a:xfrm>
+            <a:off x="7696200" y="5421868"/>
+            <a:ext cx="4314001" cy="369332"/>
+          </a:xfrm>
+          <a:prstGeom prst="rect">
+            <a:avLst/>
+          </a:prstGeom>
+          <a:noFill/>
+        </p:spPr>
+        <p:txBody>
+          <a:bodyPr wrap="none" rtlCol="0">
+            <a:spAutoFit/>
+          </a:bodyPr>
+          <a:lstStyle/>
+          <a:p>
+            <a:r>
+              <a:rPr lang="en-US" dirty="0"/>
+              <a:t>Row and Column Random Permutations</a:t>
+            </a:r>
           </a:p>
         </p:txBody>
       </p:sp>
@@ -5145,6 +5369,469 @@
       </p:grpSpPr>
       <p:sp>
         <p:nvSpPr>
+          <p:cNvPr id="2" name="Title 1">
+            <a:extLst>
+              <a:ext uri="{FF2B5EF4-FFF2-40B4-BE49-F238E27FC236}">
+                <a16:creationId xmlns:a16="http://schemas.microsoft.com/office/drawing/2014/main" id="{3A65FEBB-4CE5-43E6-9D98-8EBB666A817C}"/>
+              </a:ext>
+            </a:extLst>
+          </p:cNvPr>
+          <p:cNvSpPr>
+            <a:spLocks noGrp="1"/>
+          </p:cNvSpPr>
+          <p:nvPr>
+            <p:ph type="title"/>
+          </p:nvPr>
+        </p:nvSpPr>
+        <p:spPr/>
+        <p:txBody>
+          <a:bodyPr/>
+          <a:lstStyle/>
+          <a:p>
+            <a:r>
+              <a:rPr lang="en-US" dirty="0"/>
+              <a:t>Row and Column Permutations</a:t>
+            </a:r>
+          </a:p>
+        </p:txBody>
+      </p:sp>
+      <p:sp>
+        <p:nvSpPr>
+          <p:cNvPr id="3" name="Slide Number Placeholder 2">
+            <a:extLst>
+              <a:ext uri="{FF2B5EF4-FFF2-40B4-BE49-F238E27FC236}">
+                <a16:creationId xmlns:a16="http://schemas.microsoft.com/office/drawing/2014/main" id="{5A96EE83-6B1D-4DFC-BE30-9DB0A4B3157A}"/>
+              </a:ext>
+            </a:extLst>
+          </p:cNvPr>
+          <p:cNvSpPr>
+            <a:spLocks noGrp="1"/>
+          </p:cNvSpPr>
+          <p:nvPr>
+            <p:ph type="sldNum" sz="quarter" idx="10"/>
+          </p:nvPr>
+        </p:nvSpPr>
+        <p:spPr/>
+        <p:txBody>
+          <a:bodyPr/>
+          <a:lstStyle/>
+          <a:p>
+            <a:fld id="{626C978B-826E-438C-909A-E9C381D3FF04}" type="slidenum">
+              <a:rPr lang="en-US" smtClean="0"/>
+              <a:pPr/>
+              <a:t>6</a:t>
+            </a:fld>
+            <a:endParaRPr lang="en-US" dirty="0"/>
+          </a:p>
+        </p:txBody>
+      </p:sp>
+      <mc:AlternateContent xmlns:mc="http://schemas.openxmlformats.org/markup-compatibility/2006">
+        <mc:Choice xmlns:a14="http://schemas.microsoft.com/office/drawing/2010/main" Requires="a14">
+          <p:sp>
+            <p:nvSpPr>
+              <p:cNvPr id="4" name="Content Placeholder 3">
+                <a:extLst>
+                  <a:ext uri="{FF2B5EF4-FFF2-40B4-BE49-F238E27FC236}">
+                    <a16:creationId xmlns:a16="http://schemas.microsoft.com/office/drawing/2014/main" id="{37DFF5A0-2864-4C9B-A4E5-0C1EAD8C3AD5}"/>
+                  </a:ext>
+                </a:extLst>
+              </p:cNvPr>
+              <p:cNvSpPr>
+                <a:spLocks noGrp="1"/>
+              </p:cNvSpPr>
+              <p:nvPr>
+                <p:ph idx="1"/>
+              </p:nvPr>
+            </p:nvSpPr>
+            <p:spPr/>
+            <p:txBody>
+              <a:bodyPr/>
+              <a:lstStyle/>
+              <a:p>
+                <a:endParaRPr lang="en-US" b="0" i="1" dirty="0">
+                  <a:latin typeface="Cambria Math" panose="02040503050406030204" pitchFamily="18" charset="0"/>
+                </a:endParaRPr>
+              </a:p>
+              <a:p>
+                <a14:m>
+                  <m:oMath xmlns:m="http://schemas.openxmlformats.org/officeDocument/2006/math">
+                    <m:sSup>
+                      <m:sSupPr>
+                        <m:ctrlPr>
+                          <a:rPr lang="en-US" b="0" i="1" smtClean="0">
+                            <a:latin typeface="Cambria Math" panose="02040503050406030204" pitchFamily="18" charset="0"/>
+                          </a:rPr>
+                        </m:ctrlPr>
+                      </m:sSupPr>
+                      <m:e>
+                        <m:r>
+                          <a:rPr lang="en-US" b="0" i="1" smtClean="0">
+                            <a:latin typeface="Cambria Math" panose="02040503050406030204" pitchFamily="18" charset="0"/>
+                          </a:rPr>
+                          <m:t>𝑃</m:t>
+                        </m:r>
+                      </m:e>
+                      <m:sup>
+                        <m:r>
+                          <a:rPr lang="en-US" b="0" i="1" smtClean="0">
+                            <a:latin typeface="Cambria Math" panose="02040503050406030204" pitchFamily="18" charset="0"/>
+                          </a:rPr>
+                          <m:t>𝑟</m:t>
+                        </m:r>
+                      </m:sup>
+                    </m:sSup>
+                    <m:r>
+                      <a:rPr lang="en-US" b="0" i="1" smtClean="0">
+                        <a:latin typeface="Cambria Math" panose="02040503050406030204" pitchFamily="18" charset="0"/>
+                      </a:rPr>
+                      <m:t>𝑦</m:t>
+                    </m:r>
+                    <m:r>
+                      <a:rPr lang="en-US" b="0" i="1" smtClean="0">
+                        <a:latin typeface="Cambria Math" panose="02040503050406030204" pitchFamily="18" charset="0"/>
+                      </a:rPr>
+                      <m:t>=</m:t>
+                    </m:r>
+                    <m:sSup>
+                      <m:sSupPr>
+                        <m:ctrlPr>
+                          <a:rPr lang="en-US" b="0" i="1" smtClean="0">
+                            <a:latin typeface="Cambria Math" panose="02040503050406030204" pitchFamily="18" charset="0"/>
+                          </a:rPr>
+                        </m:ctrlPr>
+                      </m:sSupPr>
+                      <m:e>
+                        <m:r>
+                          <a:rPr lang="en-US" b="0" i="1" smtClean="0">
+                            <a:latin typeface="Cambria Math" panose="02040503050406030204" pitchFamily="18" charset="0"/>
+                          </a:rPr>
+                          <m:t>(</m:t>
+                        </m:r>
+                        <m:r>
+                          <a:rPr lang="en-US" b="0" i="1" smtClean="0">
+                            <a:latin typeface="Cambria Math" panose="02040503050406030204" pitchFamily="18" charset="0"/>
+                          </a:rPr>
+                          <m:t>𝑃</m:t>
+                        </m:r>
+                      </m:e>
+                      <m:sup>
+                        <m:r>
+                          <a:rPr lang="en-US" b="0" i="1" smtClean="0">
+                            <a:latin typeface="Cambria Math" panose="02040503050406030204" pitchFamily="18" charset="0"/>
+                          </a:rPr>
+                          <m:t>𝑟</m:t>
+                        </m:r>
+                      </m:sup>
+                    </m:sSup>
+                    <m:r>
+                      <a:rPr lang="en-US" b="0" i="1" smtClean="0">
+                        <a:latin typeface="Cambria Math" panose="02040503050406030204" pitchFamily="18" charset="0"/>
+                      </a:rPr>
+                      <m:t>𝐴</m:t>
+                    </m:r>
+                    <m:r>
+                      <a:rPr lang="en-US" b="0" i="1" smtClean="0">
+                        <a:latin typeface="Cambria Math" panose="02040503050406030204" pitchFamily="18" charset="0"/>
+                      </a:rPr>
+                      <m:t> </m:t>
+                    </m:r>
+                    <m:sSup>
+                      <m:sSupPr>
+                        <m:ctrlPr>
+                          <a:rPr lang="en-US" b="0" i="1" smtClean="0">
+                            <a:latin typeface="Cambria Math" panose="02040503050406030204" pitchFamily="18" charset="0"/>
+                          </a:rPr>
+                        </m:ctrlPr>
+                      </m:sSupPr>
+                      <m:e>
+                        <m:r>
+                          <a:rPr lang="en-US" b="0" i="1" smtClean="0">
+                            <a:latin typeface="Cambria Math" panose="02040503050406030204" pitchFamily="18" charset="0"/>
+                          </a:rPr>
+                          <m:t>𝑃</m:t>
+                        </m:r>
+                      </m:e>
+                      <m:sup>
+                        <m:r>
+                          <a:rPr lang="en-US" b="0" i="1" smtClean="0">
+                            <a:latin typeface="Cambria Math" panose="02040503050406030204" pitchFamily="18" charset="0"/>
+                          </a:rPr>
+                          <m:t>𝑐</m:t>
+                        </m:r>
+                      </m:sup>
+                    </m:sSup>
+                    <m:r>
+                      <a:rPr lang="en-US" b="0" i="1" smtClean="0">
+                        <a:latin typeface="Cambria Math" panose="02040503050406030204" pitchFamily="18" charset="0"/>
+                      </a:rPr>
+                      <m:t>)∗</m:t>
+                    </m:r>
+                    <m:d>
+                      <m:dPr>
+                        <m:ctrlPr>
+                          <a:rPr lang="en-US" b="0" i="1" smtClean="0">
+                            <a:latin typeface="Cambria Math" panose="02040503050406030204" pitchFamily="18" charset="0"/>
+                          </a:rPr>
+                        </m:ctrlPr>
+                      </m:dPr>
+                      <m:e>
+                        <m:sSup>
+                          <m:sSupPr>
+                            <m:ctrlPr>
+                              <a:rPr lang="en-US" b="0" i="1" smtClean="0">
+                                <a:latin typeface="Cambria Math" panose="02040503050406030204" pitchFamily="18" charset="0"/>
+                              </a:rPr>
+                            </m:ctrlPr>
+                          </m:sSupPr>
+                          <m:e>
+                            <m:r>
+                              <a:rPr lang="en-US" b="0" i="1" smtClean="0">
+                                <a:latin typeface="Cambria Math" panose="02040503050406030204" pitchFamily="18" charset="0"/>
+                              </a:rPr>
+                              <m:t>𝑃</m:t>
+                            </m:r>
+                          </m:e>
+                          <m:sup>
+                            <m:r>
+                              <a:rPr lang="en-US" b="0" i="1" smtClean="0">
+                                <a:latin typeface="Cambria Math" panose="02040503050406030204" pitchFamily="18" charset="0"/>
+                              </a:rPr>
+                              <m:t>−</m:t>
+                            </m:r>
+                            <m:r>
+                              <a:rPr lang="en-US" b="0" i="1" smtClean="0">
+                                <a:latin typeface="Cambria Math" panose="02040503050406030204" pitchFamily="18" charset="0"/>
+                              </a:rPr>
+                              <m:t>𝑐</m:t>
+                            </m:r>
+                          </m:sup>
+                        </m:sSup>
+                        <m:r>
+                          <a:rPr lang="en-US" b="0" i="1" smtClean="0">
+                            <a:latin typeface="Cambria Math" panose="02040503050406030204" pitchFamily="18" charset="0"/>
+                          </a:rPr>
+                          <m:t> </m:t>
+                        </m:r>
+                        <m:r>
+                          <a:rPr lang="en-US" b="0" i="1" smtClean="0">
+                            <a:latin typeface="Cambria Math" panose="02040503050406030204" pitchFamily="18" charset="0"/>
+                          </a:rPr>
+                          <m:t>𝑥</m:t>
+                        </m:r>
+                      </m:e>
+                    </m:d>
+                  </m:oMath>
+                </a14:m>
+                <a:endParaRPr lang="en-US" b="0" dirty="0"/>
+              </a:p>
+              <a:p>
+                <a:endParaRPr lang="en-US" dirty="0"/>
+              </a:p>
+              <a:p>
+                <a:r>
+                  <a:rPr lang="en-US" dirty="0"/>
+                  <a:t>I know It feels unnecessary </a:t>
+                </a:r>
+              </a:p>
+              <a:p>
+                <a:pPr lvl="1"/>
+                <a:r>
+                  <a:rPr lang="en-US" dirty="0"/>
+                  <a:t>HW can do </a:t>
+                </a:r>
+                <a14:m>
+                  <m:oMath xmlns:m="http://schemas.openxmlformats.org/officeDocument/2006/math">
+                    <m:sSup>
+                      <m:sSupPr>
+                        <m:ctrlPr>
+                          <a:rPr lang="en-US" b="0" i="1" smtClean="0">
+                            <a:latin typeface="Cambria Math" panose="02040503050406030204" pitchFamily="18" charset="0"/>
+                          </a:rPr>
+                        </m:ctrlPr>
+                      </m:sSupPr>
+                      <m:e>
+                        <m:r>
+                          <a:rPr lang="en-US" b="0" i="1" smtClean="0">
+                            <a:latin typeface="Cambria Math" panose="02040503050406030204" pitchFamily="18" charset="0"/>
+                          </a:rPr>
+                          <m:t>𝑃</m:t>
+                        </m:r>
+                      </m:e>
+                      <m:sup>
+                        <m:r>
+                          <a:rPr lang="en-US" b="0" i="1" smtClean="0">
+                            <a:latin typeface="Cambria Math" panose="02040503050406030204" pitchFamily="18" charset="0"/>
+                          </a:rPr>
+                          <m:t>𝑟</m:t>
+                        </m:r>
+                      </m:sup>
+                    </m:sSup>
+                    <m:r>
+                      <a:rPr lang="en-US" b="0" i="1" smtClean="0">
+                        <a:latin typeface="Cambria Math" panose="02040503050406030204" pitchFamily="18" charset="0"/>
+                      </a:rPr>
+                      <m:t>𝑎𝑛𝑑</m:t>
+                    </m:r>
+                    <m:r>
+                      <a:rPr lang="en-US" b="0" i="1" smtClean="0">
+                        <a:latin typeface="Cambria Math" panose="02040503050406030204" pitchFamily="18" charset="0"/>
+                      </a:rPr>
+                      <m:t> </m:t>
+                    </m:r>
+                    <m:sSup>
+                      <m:sSupPr>
+                        <m:ctrlPr>
+                          <a:rPr lang="en-US" b="0" i="1" smtClean="0">
+                            <a:latin typeface="Cambria Math" panose="02040503050406030204" pitchFamily="18" charset="0"/>
+                          </a:rPr>
+                        </m:ctrlPr>
+                      </m:sSupPr>
+                      <m:e>
+                        <m:r>
+                          <a:rPr lang="en-US" b="0" i="1" smtClean="0">
+                            <a:latin typeface="Cambria Math" panose="02040503050406030204" pitchFamily="18" charset="0"/>
+                          </a:rPr>
+                          <m:t>𝑃</m:t>
+                        </m:r>
+                      </m:e>
+                      <m:sup>
+                        <m:r>
+                          <a:rPr lang="en-US" b="0" i="1" smtClean="0">
+                            <a:latin typeface="Cambria Math" panose="02040503050406030204" pitchFamily="18" charset="0"/>
+                          </a:rPr>
+                          <m:t>−</m:t>
+                        </m:r>
+                        <m:r>
+                          <a:rPr lang="en-US" b="0" i="1" smtClean="0">
+                            <a:latin typeface="Cambria Math" panose="02040503050406030204" pitchFamily="18" charset="0"/>
+                          </a:rPr>
+                          <m:t>𝑐</m:t>
+                        </m:r>
+                      </m:sup>
+                    </m:sSup>
+                  </m:oMath>
+                </a14:m>
+                <a:r>
+                  <a:rPr lang="en-US" dirty="0"/>
+                  <a:t> easily</a:t>
+                </a:r>
+              </a:p>
+              <a:p>
+                <a:pPr lvl="1"/>
+                <a:r>
+                  <a:rPr lang="en-US" dirty="0"/>
+                  <a:t>Poor/fool  man preconditioning </a:t>
+                </a:r>
+              </a:p>
+              <a:p>
+                <a:r>
+                  <a:rPr lang="en-US" dirty="0"/>
+                  <a:t>Is the permutation helpful ?</a:t>
+                </a:r>
+              </a:p>
+              <a:p>
+                <a:pPr lvl="1"/>
+                <a:r>
+                  <a:rPr lang="en-US" dirty="0"/>
+                  <a:t>Sometimes.</a:t>
+                </a:r>
+              </a:p>
+              <a:p>
+                <a:pPr marL="232845" lvl="1" indent="0">
+                  <a:buNone/>
+                </a:pPr>
+                <a:br>
+                  <a:rPr lang="en-US" dirty="0"/>
+                </a:br>
+                <a:endParaRPr lang="en-US" dirty="0"/>
+              </a:p>
+            </p:txBody>
+          </p:sp>
+        </mc:Choice>
+        <mc:Fallback>
+          <p:sp>
+            <p:nvSpPr>
+              <p:cNvPr id="4" name="Content Placeholder 3">
+                <a:extLst>
+                  <a:ext uri="{FF2B5EF4-FFF2-40B4-BE49-F238E27FC236}">
+                    <a16:creationId xmlns:a16="http://schemas.microsoft.com/office/drawing/2014/main" id="{37DFF5A0-2864-4C9B-A4E5-0C1EAD8C3AD5}"/>
+                  </a:ext>
+                </a:extLst>
+              </p:cNvPr>
+              <p:cNvSpPr>
+                <a:spLocks noGrp="1" noRot="1" noChangeAspect="1" noMove="1" noResize="1" noEditPoints="1" noAdjustHandles="1" noChangeArrowheads="1" noChangeShapeType="1" noTextEdit="1"/>
+              </p:cNvSpPr>
+              <p:nvPr>
+                <p:ph idx="1"/>
+              </p:nvPr>
+            </p:nvSpPr>
+            <p:spPr>
+              <a:blipFill>
+                <a:blip r:embed="rId2"/>
+                <a:stretch>
+                  <a:fillRect l="-411" b="-5032"/>
+                </a:stretch>
+              </a:blipFill>
+            </p:spPr>
+            <p:txBody>
+              <a:bodyPr/>
+              <a:lstStyle/>
+              <a:p>
+                <a:r>
+                  <a:rPr lang="en-US">
+                    <a:noFill/>
+                  </a:rPr>
+                  <a:t> </a:t>
+                </a:r>
+              </a:p>
+            </p:txBody>
+          </p:sp>
+        </mc:Fallback>
+      </mc:AlternateContent>
+    </p:spTree>
+    <p:extLst>
+      <p:ext uri="{BB962C8B-B14F-4D97-AF65-F5344CB8AC3E}">
+        <p14:creationId xmlns:p14="http://schemas.microsoft.com/office/powerpoint/2010/main" val="3458136665"/>
+      </p:ext>
+    </p:extLst>
+  </p:cSld>
+  <p:clrMapOvr>
+    <a:masterClrMapping/>
+  </p:clrMapOvr>
+  <mc:AlternateContent xmlns:mc="http://schemas.openxmlformats.org/markup-compatibility/2006" xmlns:p14="http://schemas.microsoft.com/office/powerpoint/2010/main">
+    <mc:Choice Requires="p14">
+      <p:transition spd="med" p14:dur="700">
+        <p:fade/>
+      </p:transition>
+    </mc:Choice>
+    <mc:Fallback xmlns="">
+      <p:transition spd="med">
+        <p:fade/>
+      </p:transition>
+    </mc:Fallback>
+  </mc:AlternateContent>
+</p:sld>
+</file>
+
+<file path=ppt/slides/slide7.xml><?xml version="1.0" encoding="utf-8"?>
+<p:sld xmlns:a="http://schemas.openxmlformats.org/drawingml/2006/main" xmlns:r="http://schemas.openxmlformats.org/officeDocument/2006/relationships" xmlns:p="http://schemas.openxmlformats.org/presentationml/2006/main">
+  <p:cSld>
+    <p:spTree>
+      <p:nvGrpSpPr>
+        <p:cNvPr id="1" name=""/>
+        <p:cNvGrpSpPr/>
+        <p:nvPr/>
+      </p:nvGrpSpPr>
+      <p:grpSpPr>
+        <a:xfrm>
+          <a:off x="0" y="0"/>
+          <a:ext cx="0" cy="0"/>
+          <a:chOff x="0" y="0"/>
+          <a:chExt cx="0" cy="0"/>
+        </a:xfrm>
+      </p:grpSpPr>
+      <p:sp>
+        <p:nvSpPr>
           <p:cNvPr id="6" name="Title 5"/>
           <p:cNvSpPr>
             <a:spLocks noGrp="1"/>
@@ -5326,7 +6013,7 @@
         </p:blipFill>
         <p:spPr>
           <a:xfrm>
-            <a:off x="7688068" y="1447800"/>
+            <a:off x="7467600" y="1481321"/>
             <a:ext cx="4361697" cy="3776479"/>
           </a:xfrm>
           <a:prstGeom prst="rect">
@@ -5334,6 +6021,41 @@
           </a:prstGeom>
         </p:spPr>
       </p:pic>
+      <p:sp>
+        <p:nvSpPr>
+          <p:cNvPr id="8" name="TextBox 7">
+            <a:extLst>
+              <a:ext uri="{FF2B5EF4-FFF2-40B4-BE49-F238E27FC236}">
+                <a16:creationId xmlns:a16="http://schemas.microsoft.com/office/drawing/2014/main" id="{35F35BB1-8AC0-4217-A122-1A24CD67B6B1}"/>
+              </a:ext>
+            </a:extLst>
+          </p:cNvPr>
+          <p:cNvSpPr txBox="1"/>
+          <p:nvPr/>
+        </p:nvSpPr>
+        <p:spPr>
+          <a:xfrm>
+            <a:off x="6934200" y="5410200"/>
+            <a:ext cx="4839786" cy="369332"/>
+          </a:xfrm>
+          <a:prstGeom prst="rect">
+            <a:avLst/>
+          </a:prstGeom>
+          <a:noFill/>
+        </p:spPr>
+        <p:txBody>
+          <a:bodyPr wrap="none" rtlCol="0">
+            <a:spAutoFit/>
+          </a:bodyPr>
+          <a:lstStyle/>
+          <a:p>
+            <a:r>
+              <a:rPr lang="en-US" dirty="0"/>
+              <a:t>With Row and Column Random Permutations</a:t>
+            </a:r>
+          </a:p>
+        </p:txBody>
+      </p:sp>
     </p:spTree>
     <p:extLst>
       <p:ext uri="{BB962C8B-B14F-4D97-AF65-F5344CB8AC3E}">
@@ -5359,7 +6081,7 @@
 </p:sld>
 </file>
 
-<file path=ppt/slides/slide7.xml><?xml version="1.0" encoding="utf-8"?>
+<file path=ppt/slides/slide8.xml><?xml version="1.0" encoding="utf-8"?>
 <p:sld xmlns:a="http://schemas.openxmlformats.org/drawingml/2006/main" xmlns:r="http://schemas.openxmlformats.org/officeDocument/2006/relationships" xmlns:p="http://schemas.openxmlformats.org/presentationml/2006/main">
   <p:cSld>
     <p:spTree>
@@ -5423,8 +6145,13 @@
           <a:p>
             <a:r>
               <a:rPr lang="en-US" dirty="0"/>
-              <a:t>Random can be exploited</a:t>
-            </a:r>
+              <a:t>Random can </a:t>
+            </a:r>
+            <a:r>
+              <a:rPr lang="en-US"/>
+              <a:t>be exploited </a:t>
+            </a:r>
+            <a:endParaRPr lang="en-US" dirty="0"/>
           </a:p>
         </p:txBody>
       </p:sp>
@@ -5514,152 +6241,6 @@
     <p:extLst>
       <p:ext uri="{BB962C8B-B14F-4D97-AF65-F5344CB8AC3E}">
         <p14:creationId xmlns:p14="http://schemas.microsoft.com/office/powerpoint/2010/main" val="658604081"/>
-      </p:ext>
-    </p:extLst>
-  </p:cSld>
-  <p:clrMapOvr>
-    <a:masterClrMapping/>
-  </p:clrMapOvr>
-  <mc:AlternateContent xmlns:mc="http://schemas.openxmlformats.org/markup-compatibility/2006" xmlns:p14="http://schemas.microsoft.com/office/powerpoint/2010/main">
-    <mc:Choice Requires="p14">
-      <p:transition spd="med" p14:dur="700">
-        <p:fade/>
-      </p:transition>
-    </mc:Choice>
-    <mc:Fallback xmlns="">
-      <p:transition spd="med">
-        <p:fade/>
-      </p:transition>
-    </mc:Fallback>
-  </mc:AlternateContent>
-</p:sld>
-</file>
-
-<file path=ppt/slides/slide8.xml><?xml version="1.0" encoding="utf-8"?>
-<p:sld xmlns:a="http://schemas.openxmlformats.org/drawingml/2006/main" xmlns:r="http://schemas.openxmlformats.org/officeDocument/2006/relationships" xmlns:p="http://schemas.openxmlformats.org/presentationml/2006/main">
-  <p:cSld>
-    <p:spTree>
-      <p:nvGrpSpPr>
-        <p:cNvPr id="1" name=""/>
-        <p:cNvGrpSpPr/>
-        <p:nvPr/>
-      </p:nvGrpSpPr>
-      <p:grpSpPr>
-        <a:xfrm>
-          <a:off x="0" y="0"/>
-          <a:ext cx="0" cy="0"/>
-          <a:chOff x="0" y="0"/>
-          <a:chExt cx="0" cy="0"/>
-        </a:xfrm>
-      </p:grpSpPr>
-      <p:sp>
-        <p:nvSpPr>
-          <p:cNvPr id="6" name="Title 5"/>
-          <p:cNvSpPr>
-            <a:spLocks noGrp="1"/>
-          </p:cNvSpPr>
-          <p:nvPr>
-            <p:ph type="title"/>
-          </p:nvPr>
-        </p:nvSpPr>
-        <p:spPr/>
-        <p:txBody>
-          <a:bodyPr/>
-          <a:lstStyle/>
-          <a:p>
-            <a:r>
-              <a:rPr lang="en-US" dirty="0"/>
-              <a:t>Random can be exploited</a:t>
-            </a:r>
-          </a:p>
-        </p:txBody>
-      </p:sp>
-      <p:sp>
-        <p:nvSpPr>
-          <p:cNvPr id="3" name="Slide Number Placeholder 2"/>
-          <p:cNvSpPr>
-            <a:spLocks noGrp="1"/>
-          </p:cNvSpPr>
-          <p:nvPr>
-            <p:ph type="sldNum" sz="quarter" idx="10"/>
-          </p:nvPr>
-        </p:nvSpPr>
-        <p:spPr/>
-        <p:txBody>
-          <a:bodyPr/>
-          <a:lstStyle/>
-          <a:p>
-            <a:r>
-              <a:rPr lang="en-US" dirty="0"/>
-              <a:t>2</a:t>
-            </a:r>
-          </a:p>
-        </p:txBody>
-      </p:sp>
-      <p:pic>
-        <p:nvPicPr>
-          <p:cNvPr id="5" name="Picture 4" descr="Chart, histogram&#10;&#10;Description automatically generated">
-            <a:extLst>
-              <a:ext uri="{FF2B5EF4-FFF2-40B4-BE49-F238E27FC236}">
-                <a16:creationId xmlns:a16="http://schemas.microsoft.com/office/drawing/2014/main" id="{8DC42238-443A-4A43-86AB-60501B0264AE}"/>
-              </a:ext>
-            </a:extLst>
-          </p:cNvPr>
-          <p:cNvPicPr>
-            <a:picLocks noChangeAspect="1"/>
-          </p:cNvPicPr>
-          <p:nvPr/>
-        </p:nvPicPr>
-        <p:blipFill>
-          <a:blip r:embed="rId3"/>
-          <a:stretch>
-            <a:fillRect/>
-          </a:stretch>
-        </p:blipFill>
-        <p:spPr>
-          <a:xfrm>
-            <a:off x="-381000" y="759490"/>
-            <a:ext cx="6357348" cy="4768011"/>
-          </a:xfrm>
-          <a:prstGeom prst="rect">
-            <a:avLst/>
-          </a:prstGeom>
-        </p:spPr>
-      </p:pic>
-      <p:pic>
-        <p:nvPicPr>
-          <p:cNvPr id="11" name="Picture 10" descr="Chart, histogram&#10;&#10;Description automatically generated">
-            <a:extLst>
-              <a:ext uri="{FF2B5EF4-FFF2-40B4-BE49-F238E27FC236}">
-                <a16:creationId xmlns:a16="http://schemas.microsoft.com/office/drawing/2014/main" id="{8305CCE7-060E-499F-8CD0-50E28B10EBA8}"/>
-              </a:ext>
-            </a:extLst>
-          </p:cNvPr>
-          <p:cNvPicPr>
-            <a:picLocks noChangeAspect="1"/>
-          </p:cNvPicPr>
-          <p:nvPr/>
-        </p:nvPicPr>
-        <p:blipFill>
-          <a:blip r:embed="rId4"/>
-          <a:stretch>
-            <a:fillRect/>
-          </a:stretch>
-        </p:blipFill>
-        <p:spPr>
-          <a:xfrm>
-            <a:off x="5518842" y="680782"/>
-            <a:ext cx="6567238" cy="4925429"/>
-          </a:xfrm>
-          <a:prstGeom prst="rect">
-            <a:avLst/>
-          </a:prstGeom>
-        </p:spPr>
-      </p:pic>
-    </p:spTree>
-    <p:extLst>
-      <p:ext uri="{BB962C8B-B14F-4D97-AF65-F5344CB8AC3E}">
-        <p14:creationId xmlns:p14="http://schemas.microsoft.com/office/powerpoint/2010/main" val="752147640"/>
       </p:ext>
     </p:extLst>
   </p:cSld>
@@ -5700,13 +6281,7 @@
       </p:grpSpPr>
       <p:sp>
         <p:nvSpPr>
-          <p:cNvPr id="2" name="Title 1">
-            <a:extLst>
-              <a:ext uri="{FF2B5EF4-FFF2-40B4-BE49-F238E27FC236}">
-                <a16:creationId xmlns:a16="http://schemas.microsoft.com/office/drawing/2014/main" id="{EF7E21A7-CA63-407C-A0D2-2EA5C019D121}"/>
-              </a:ext>
-            </a:extLst>
-          </p:cNvPr>
+          <p:cNvPr id="6" name="Title 5"/>
           <p:cNvSpPr>
             <a:spLocks noGrp="1"/>
           </p:cNvSpPr>
@@ -5721,20 +6296,14 @@
           <a:p>
             <a:r>
               <a:rPr lang="en-US" dirty="0"/>
-              <a:t>These are ideas from </a:t>
-            </a:r>
-          </a:p>
-        </p:txBody>
-      </p:sp>
-      <p:sp>
-        <p:nvSpPr>
-          <p:cNvPr id="3" name="Slide Number Placeholder 2">
-            <a:extLst>
-              <a:ext uri="{FF2B5EF4-FFF2-40B4-BE49-F238E27FC236}">
-                <a16:creationId xmlns:a16="http://schemas.microsoft.com/office/drawing/2014/main" id="{39F97DB6-A5CA-4D30-B4C0-576D37FABAA1}"/>
-              </a:ext>
-            </a:extLst>
-          </p:cNvPr>
+              <a:t>Random can be exploited</a:t>
+            </a:r>
+          </a:p>
+        </p:txBody>
+      </p:sp>
+      <p:sp>
+        <p:nvSpPr>
+          <p:cNvPr id="3" name="Slide Number Placeholder 2"/>
           <p:cNvSpPr>
             <a:spLocks noGrp="1"/>
           </p:cNvSpPr>
@@ -5747,71 +6316,77 @@
           <a:bodyPr/>
           <a:lstStyle/>
           <a:p>
-            <a:fld id="{626C978B-826E-438C-909A-E9C381D3FF04}" type="slidenum">
-              <a:rPr lang="en-US" smtClean="0"/>
-              <a:pPr/>
-              <a:t>9</a:t>
-            </a:fld>
-            <a:endParaRPr lang="en-US" dirty="0"/>
-          </a:p>
-        </p:txBody>
-      </p:sp>
-      <p:sp>
-        <p:nvSpPr>
-          <p:cNvPr id="4" name="Content Placeholder 3">
+            <a:r>
+              <a:rPr lang="en-US" dirty="0"/>
+              <a:t>2</a:t>
+            </a:r>
+          </a:p>
+        </p:txBody>
+      </p:sp>
+      <p:pic>
+        <p:nvPicPr>
+          <p:cNvPr id="5" name="Picture 4" descr="Chart, histogram&#10;&#10;Description automatically generated">
             <a:extLst>
               <a:ext uri="{FF2B5EF4-FFF2-40B4-BE49-F238E27FC236}">
-                <a16:creationId xmlns:a16="http://schemas.microsoft.com/office/drawing/2014/main" id="{8F14279B-F91E-4394-8CE0-4D781FE93C7E}"/>
+                <a16:creationId xmlns:a16="http://schemas.microsoft.com/office/drawing/2014/main" id="{8DC42238-443A-4A43-86AB-60501B0264AE}"/>
               </a:ext>
             </a:extLst>
           </p:cNvPr>
-          <p:cNvSpPr>
-            <a:spLocks noGrp="1"/>
-          </p:cNvSpPr>
-          <p:nvPr>
-            <p:ph idx="1"/>
-          </p:nvPr>
-        </p:nvSpPr>
-        <p:spPr/>
-        <p:txBody>
-          <a:bodyPr/>
-          <a:lstStyle/>
-          <a:p>
-            <a:r>
-              <a:rPr lang="en-US" dirty="0"/>
-              <a:t>ABHISHEK JAIN, </a:t>
-            </a:r>
-          </a:p>
-          <a:p>
-            <a:r>
-              <a:rPr lang="en-US" dirty="0"/>
-              <a:t>ISMAIL BUSTANY, </a:t>
-            </a:r>
-          </a:p>
-          <a:p>
-            <a:r>
-              <a:rPr lang="en-US" dirty="0"/>
-              <a:t>HENRI FRAISSE, </a:t>
-            </a:r>
-          </a:p>
-          <a:p>
-            <a:r>
-              <a:rPr lang="en-US" dirty="0"/>
-              <a:t>MANSIMRAN BENIPAL, </a:t>
-            </a:r>
-          </a:p>
-          <a:p>
-            <a:r>
-              <a:rPr lang="en-US" dirty="0"/>
-              <a:t>DINESH GAITONDE</a:t>
-            </a:r>
-          </a:p>
-        </p:txBody>
-      </p:sp>
+          <p:cNvPicPr>
+            <a:picLocks noChangeAspect="1"/>
+          </p:cNvPicPr>
+          <p:nvPr/>
+        </p:nvPicPr>
+        <p:blipFill>
+          <a:blip r:embed="rId3"/>
+          <a:stretch>
+            <a:fillRect/>
+          </a:stretch>
+        </p:blipFill>
+        <p:spPr>
+          <a:xfrm>
+            <a:off x="-381000" y="759490"/>
+            <a:ext cx="6357348" cy="4768011"/>
+          </a:xfrm>
+          <a:prstGeom prst="rect">
+            <a:avLst/>
+          </a:prstGeom>
+        </p:spPr>
+      </p:pic>
+      <p:pic>
+        <p:nvPicPr>
+          <p:cNvPr id="11" name="Picture 10" descr="Chart, histogram&#10;&#10;Description automatically generated">
+            <a:extLst>
+              <a:ext uri="{FF2B5EF4-FFF2-40B4-BE49-F238E27FC236}">
+                <a16:creationId xmlns:a16="http://schemas.microsoft.com/office/drawing/2014/main" id="{8305CCE7-060E-499F-8CD0-50E28B10EBA8}"/>
+              </a:ext>
+            </a:extLst>
+          </p:cNvPr>
+          <p:cNvPicPr>
+            <a:picLocks noChangeAspect="1"/>
+          </p:cNvPicPr>
+          <p:nvPr/>
+        </p:nvPicPr>
+        <p:blipFill>
+          <a:blip r:embed="rId4"/>
+          <a:stretch>
+            <a:fillRect/>
+          </a:stretch>
+        </p:blipFill>
+        <p:spPr>
+          <a:xfrm>
+            <a:off x="5518842" y="680782"/>
+            <a:ext cx="6567238" cy="4925429"/>
+          </a:xfrm>
+          <a:prstGeom prst="rect">
+            <a:avLst/>
+          </a:prstGeom>
+        </p:spPr>
+      </p:pic>
     </p:spTree>
     <p:extLst>
       <p:ext uri="{BB962C8B-B14F-4D97-AF65-F5344CB8AC3E}">
-        <p14:creationId xmlns:p14="http://schemas.microsoft.com/office/powerpoint/2010/main" val="1107199187"/>
+        <p14:creationId xmlns:p14="http://schemas.microsoft.com/office/powerpoint/2010/main" val="752147640"/>
       </p:ext>
     </p:extLst>
   </p:cSld>
